--- a/MCDB 187AL/Presentations/Tanveer Salim MCDB 187AL Week 3 Slides (1).pptx
+++ b/MCDB 187AL/Presentations/Tanveer Salim MCDB 187AL Week 3 Slides (1).pptx
@@ -5,7 +5,7 @@
     <p:sldMasterId id="2147483659" r:id="rId1"/>
   </p:sldMasterIdLst>
   <p:notesMasterIdLst>
-    <p:notesMasterId r:id="rId8"/>
+    <p:notesMasterId r:id="rId9"/>
   </p:notesMasterIdLst>
   <p:sldIdLst>
     <p:sldId id="256" r:id="rId2"/>
@@ -14,23 +14,24 @@
     <p:sldId id="259" r:id="rId5"/>
     <p:sldId id="260" r:id="rId6"/>
     <p:sldId id="261" r:id="rId7"/>
+    <p:sldId id="262" r:id="rId8"/>
   </p:sldIdLst>
   <p:sldSz cx="9144000" cy="5143500" type="screen16x9"/>
   <p:notesSz cx="6858000" cy="9144000"/>
   <p:embeddedFontLst>
     <p:embeddedFont>
       <p:font typeface="Montserrat" pitchFamily="2" charset="77"/>
-      <p:regular r:id="rId9"/>
-      <p:bold r:id="rId10"/>
-      <p:italic r:id="rId11"/>
-      <p:boldItalic r:id="rId12"/>
+      <p:regular r:id="rId10"/>
+      <p:bold r:id="rId11"/>
+      <p:italic r:id="rId12"/>
+      <p:boldItalic r:id="rId13"/>
     </p:embeddedFont>
     <p:embeddedFont>
       <p:font typeface="Lato" panose="020F0502020204030203" pitchFamily="34" charset="77"/>
-      <p:regular r:id="rId13"/>
-      <p:bold r:id="rId14"/>
-      <p:italic r:id="rId15"/>
-      <p:boldItalic r:id="rId16"/>
+      <p:regular r:id="rId14"/>
+      <p:bold r:id="rId15"/>
+      <p:italic r:id="rId16"/>
+      <p:boldItalic r:id="rId17"/>
     </p:embeddedFont>
   </p:embeddedFontLst>
   <p:defaultTextStyle>
@@ -262,6 +263,11 @@
       </a:defRPr>
     </a:lvl9pPr>
   </p:defaultTextStyle>
+  <p:extLst>
+    <p:ext uri="{EFAFB233-063F-42B5-8137-9DF3F51BA10A}">
+      <p15:sldGuideLst xmlns:p15="http://schemas.microsoft.com/office/powerpoint/2012/main"/>
+    </p:ext>
+  </p:extLst>
 </p:presentation>
 </file>
 
@@ -10224,6 +10230,93 @@
 </p:sld>
 </file>
 
+<file path=ppt/slides/slide7.xml><?xml version="1.0" encoding="utf-8"?>
+<p:sld xmlns:a="http://schemas.openxmlformats.org/drawingml/2006/main" xmlns:r="http://schemas.openxmlformats.org/officeDocument/2006/relationships" xmlns:p="http://schemas.openxmlformats.org/presentationml/2006/main">
+  <p:cSld>
+    <p:spTree>
+      <p:nvGrpSpPr>
+        <p:cNvPr id="1" name=""/>
+        <p:cNvGrpSpPr/>
+        <p:nvPr/>
+      </p:nvGrpSpPr>
+      <p:grpSpPr>
+        <a:xfrm>
+          <a:off x="0" y="0"/>
+          <a:ext cx="0" cy="0"/>
+          <a:chOff x="0" y="0"/>
+          <a:chExt cx="0" cy="0"/>
+        </a:xfrm>
+      </p:grpSpPr>
+      <p:sp>
+        <p:nvSpPr>
+          <p:cNvPr id="2" name="Title 1">
+            <a:extLst>
+              <a:ext uri="{FF2B5EF4-FFF2-40B4-BE49-F238E27FC236}">
+                <a16:creationId xmlns:a16="http://schemas.microsoft.com/office/drawing/2014/main" id="{F6898673-D585-9948-BDFD-E7BB379D8129}"/>
+              </a:ext>
+            </a:extLst>
+          </p:cNvPr>
+          <p:cNvSpPr>
+            <a:spLocks noGrp="1"/>
+          </p:cNvSpPr>
+          <p:nvPr>
+            <p:ph type="title"/>
+          </p:nvPr>
+        </p:nvSpPr>
+        <p:spPr/>
+        <p:txBody>
+          <a:bodyPr/>
+          <a:lstStyle/>
+          <a:p>
+            <a:r>
+              <a:rPr lang="en-US" dirty="0"/>
+              <a:t>Multiple Sequence Alignment </a:t>
+            </a:r>
+            <a:r>
+              <a:rPr lang="en-US"/>
+              <a:t>File for</a:t>
+            </a:r>
+          </a:p>
+        </p:txBody>
+      </p:sp>
+      <p:sp>
+        <p:nvSpPr>
+          <p:cNvPr id="3" name="Text Placeholder 2">
+            <a:extLst>
+              <a:ext uri="{FF2B5EF4-FFF2-40B4-BE49-F238E27FC236}">
+                <a16:creationId xmlns:a16="http://schemas.microsoft.com/office/drawing/2014/main" id="{2BAAF81F-B03D-FD43-BAC9-5CD2D3CE40E8}"/>
+              </a:ext>
+            </a:extLst>
+          </p:cNvPr>
+          <p:cNvSpPr>
+            <a:spLocks noGrp="1"/>
+          </p:cNvSpPr>
+          <p:nvPr>
+            <p:ph type="body" idx="1"/>
+          </p:nvPr>
+        </p:nvSpPr>
+        <p:spPr/>
+        <p:txBody>
+          <a:bodyPr/>
+          <a:lstStyle/>
+          <a:p>
+            <a:endParaRPr lang="en-US"/>
+          </a:p>
+        </p:txBody>
+      </p:sp>
+    </p:spTree>
+    <p:extLst>
+      <p:ext uri="{BB962C8B-B14F-4D97-AF65-F5344CB8AC3E}">
+        <p14:creationId xmlns:p14="http://schemas.microsoft.com/office/powerpoint/2010/main" val="1853565064"/>
+      </p:ext>
+    </p:extLst>
+  </p:cSld>
+  <p:clrMapOvr>
+    <a:masterClrMapping/>
+  </p:clrMapOvr>
+</p:sld>
+</file>
+
 <file path=ppt/theme/theme1.xml><?xml version="1.0" encoding="utf-8"?>
 <a:theme xmlns:a="http://schemas.openxmlformats.org/drawingml/2006/main" name="Focus">
   <a:themeElements>

--- a/MCDB 187AL/Presentations/Tanveer Salim MCDB 187AL Week 3 Slides (1).pptx
+++ b/MCDB 187AL/Presentations/Tanveer Salim MCDB 187AL Week 3 Slides (1).pptx
@@ -9995,10 +9995,10 @@
               <a:buNone/>
             </a:pPr>
             <a:r>
-              <a:rPr lang="en"/>
+              <a:rPr lang="en" dirty="0"/>
               <a:t>Sequence Alignments Found For:</a:t>
             </a:r>
-            <a:endParaRPr/>
+            <a:endParaRPr dirty="0"/>
           </a:p>
           <a:p>
             <a:pPr marL="0" lvl="0" indent="0">
@@ -10010,7 +10010,7 @@
               </a:spcAft>
               <a:buNone/>
             </a:pPr>
-            <a:endParaRPr/>
+            <a:endParaRPr dirty="0"/>
           </a:p>
           <a:p>
             <a:pPr marL="0" lvl="0" indent="0">
@@ -10023,7 +10023,7 @@
               <a:buNone/>
             </a:pPr>
             <a:r>
-              <a:rPr lang="en">
+              <a:rPr lang="en" dirty="0">
                 <a:latin typeface="Lato"/>
                 <a:ea typeface="Lato"/>
                 <a:cs typeface="Lato"/>
@@ -10032,10 +10032,10 @@
               <a:t>bf188fb9-3064-46b8-b71d-0d255aacfb81 </a:t>
             </a:r>
             <a:r>
-              <a:rPr lang="en"/>
+              <a:rPr lang="en" dirty="0"/>
               <a:t> </a:t>
             </a:r>
-            <a:endParaRPr/>
+            <a:endParaRPr dirty="0"/>
           </a:p>
         </p:txBody>
       </p:sp>
@@ -10214,8 +10214,8 @@
         </p:blipFill>
         <p:spPr>
           <a:xfrm>
-            <a:off x="1297500" y="1574219"/>
-            <a:ext cx="6143824" cy="3223716"/>
+            <a:off x="1114097" y="1279450"/>
+            <a:ext cx="6705600" cy="3518485"/>
           </a:xfrm>
           <a:prstGeom prst="rect">
             <a:avLst/>
@@ -10263,47 +10263,66 @@
             <p:ph type="title"/>
           </p:nvPr>
         </p:nvSpPr>
-        <p:spPr/>
+        <p:spPr>
+          <a:xfrm>
+            <a:off x="1423624" y="-147934"/>
+            <a:ext cx="7038900" cy="914100"/>
+          </a:xfrm>
+        </p:spPr>
         <p:txBody>
           <a:bodyPr/>
           <a:lstStyle/>
           <a:p>
             <a:r>
               <a:rPr lang="en-US" dirty="0"/>
-              <a:t>Multiple Sequence Alignment </a:t>
+              <a:t>Multiple Sequence Alignment File For:</a:t>
             </a:r>
+            <a:br>
+              <a:rPr lang="en-US" dirty="0"/>
+            </a:br>
             <a:r>
-              <a:rPr lang="en-US"/>
-              <a:t>File for</a:t>
+              <a:rPr lang="en" dirty="0">
+                <a:latin typeface="Lato"/>
+                <a:ea typeface="Lato"/>
+                <a:cs typeface="Lato"/>
+                <a:sym typeface="Lato"/>
+              </a:rPr>
+              <a:t>bf188fb9-3064-46b8-b71d-0d255aacfb81 </a:t>
             </a:r>
+            <a:endParaRPr lang="en-US" dirty="0"/>
           </a:p>
         </p:txBody>
       </p:sp>
-      <p:sp>
-        <p:nvSpPr>
-          <p:cNvPr id="3" name="Text Placeholder 2">
+      <p:pic>
+        <p:nvPicPr>
+          <p:cNvPr id="5" name="Picture 4">
             <a:extLst>
               <a:ext uri="{FF2B5EF4-FFF2-40B4-BE49-F238E27FC236}">
-                <a16:creationId xmlns:a16="http://schemas.microsoft.com/office/drawing/2014/main" id="{2BAAF81F-B03D-FD43-BAC9-5CD2D3CE40E8}"/>
+                <a16:creationId xmlns:a16="http://schemas.microsoft.com/office/drawing/2014/main" id="{DF3DB809-15C7-134D-8A5A-1309B4C27106}"/>
               </a:ext>
             </a:extLst>
           </p:cNvPr>
-          <p:cNvSpPr>
-            <a:spLocks noGrp="1"/>
-          </p:cNvSpPr>
-          <p:nvPr>
-            <p:ph type="body" idx="1"/>
-          </p:nvPr>
-        </p:nvSpPr>
-        <p:spPr/>
-        <p:txBody>
-          <a:bodyPr/>
-          <a:lstStyle/>
-          <a:p>
-            <a:endParaRPr lang="en-US"/>
-          </a:p>
-        </p:txBody>
-      </p:sp>
+          <p:cNvPicPr>
+            <a:picLocks noChangeAspect="1"/>
+          </p:cNvPicPr>
+          <p:nvPr/>
+        </p:nvPicPr>
+        <p:blipFill>
+          <a:blip r:embed="rId2"/>
+          <a:stretch>
+            <a:fillRect/>
+          </a:stretch>
+        </p:blipFill>
+        <p:spPr>
+          <a:xfrm>
+            <a:off x="2196661" y="810718"/>
+            <a:ext cx="4785369" cy="4332782"/>
+          </a:xfrm>
+          <a:prstGeom prst="rect">
+            <a:avLst/>
+          </a:prstGeom>
+        </p:spPr>
+      </p:pic>
     </p:spTree>
     <p:extLst>
       <p:ext uri="{BB962C8B-B14F-4D97-AF65-F5344CB8AC3E}">
